--- a/docs/diagrams/StorageComponentClassDiagram.pptx
+++ b/docs/diagrams/StorageComponentClassDiagram.pptx
@@ -107,6 +107,22 @@
       </a:defRPr>
     </a:lvl9pPr>
   </p:defaultTextStyle>
+  <p:extLst>
+    <p:ext uri="{EFAFB233-063F-42B5-8137-9DF3F51BA10A}">
+      <p15:sldGuideLst xmlns:p15="http://schemas.microsoft.com/office/powerpoint/2012/main">
+        <p15:guide id="1" orient="horz" pos="1488">
+          <p15:clr>
+            <a:srgbClr val="A4A3A4"/>
+          </p15:clr>
+        </p15:guide>
+        <p15:guide id="2" pos="2880">
+          <p15:clr>
+            <a:srgbClr val="A4A3A4"/>
+          </p15:clr>
+        </p15:guide>
+      </p15:sldGuideLst>
+    </p:ext>
+  </p:extLst>
 </p:presentation>
 </file>
 
@@ -192,7 +208,7 @@
           <a:p>
             <a:fld id="{F5CC4B3F-88C1-4FFA-B1B6-F41C21DC6924}" type="datetimeFigureOut">
               <a:rPr lang="en-US" smtClean="0"/>
-              <a:t>10/16/2016</a:t>
+              <a:t>4/8/17</a:t>
             </a:fld>
             <a:endParaRPr lang="en-US"/>
           </a:p>
@@ -641,7 +657,7 @@
           <a:p>
             <a:fld id="{78C97017-6FC3-485B-9764-EAC9E56C1D49}" type="datetimeFigureOut">
               <a:rPr lang="en-US" smtClean="0"/>
-              <a:t>10/16/2016</a:t>
+              <a:t>4/8/17</a:t>
             </a:fld>
             <a:endParaRPr lang="en-US"/>
           </a:p>
@@ -811,7 +827,7 @@
           <a:p>
             <a:fld id="{78C97017-6FC3-485B-9764-EAC9E56C1D49}" type="datetimeFigureOut">
               <a:rPr lang="en-US" smtClean="0"/>
-              <a:t>10/16/2016</a:t>
+              <a:t>4/8/17</a:t>
             </a:fld>
             <a:endParaRPr lang="en-US"/>
           </a:p>
@@ -991,7 +1007,7 @@
           <a:p>
             <a:fld id="{78C97017-6FC3-485B-9764-EAC9E56C1D49}" type="datetimeFigureOut">
               <a:rPr lang="en-US" smtClean="0"/>
-              <a:t>10/16/2016</a:t>
+              <a:t>4/8/17</a:t>
             </a:fld>
             <a:endParaRPr lang="en-US"/>
           </a:p>
@@ -1161,7 +1177,7 @@
           <a:p>
             <a:fld id="{78C97017-6FC3-485B-9764-EAC9E56C1D49}" type="datetimeFigureOut">
               <a:rPr lang="en-US" smtClean="0"/>
-              <a:t>10/16/2016</a:t>
+              <a:t>4/8/17</a:t>
             </a:fld>
             <a:endParaRPr lang="en-US"/>
           </a:p>
@@ -1407,7 +1423,7 @@
           <a:p>
             <a:fld id="{78C97017-6FC3-485B-9764-EAC9E56C1D49}" type="datetimeFigureOut">
               <a:rPr lang="en-US" smtClean="0"/>
-              <a:t>10/16/2016</a:t>
+              <a:t>4/8/17</a:t>
             </a:fld>
             <a:endParaRPr lang="en-US"/>
           </a:p>
@@ -1695,7 +1711,7 @@
           <a:p>
             <a:fld id="{78C97017-6FC3-485B-9764-EAC9E56C1D49}" type="datetimeFigureOut">
               <a:rPr lang="en-US" smtClean="0"/>
-              <a:t>10/16/2016</a:t>
+              <a:t>4/8/17</a:t>
             </a:fld>
             <a:endParaRPr lang="en-US"/>
           </a:p>
@@ -2117,7 +2133,7 @@
           <a:p>
             <a:fld id="{78C97017-6FC3-485B-9764-EAC9E56C1D49}" type="datetimeFigureOut">
               <a:rPr lang="en-US" smtClean="0"/>
-              <a:t>10/16/2016</a:t>
+              <a:t>4/8/17</a:t>
             </a:fld>
             <a:endParaRPr lang="en-US"/>
           </a:p>
@@ -2235,7 +2251,7 @@
           <a:p>
             <a:fld id="{78C97017-6FC3-485B-9764-EAC9E56C1D49}" type="datetimeFigureOut">
               <a:rPr lang="en-US" smtClean="0"/>
-              <a:t>10/16/2016</a:t>
+              <a:t>4/8/17</a:t>
             </a:fld>
             <a:endParaRPr lang="en-US"/>
           </a:p>
@@ -2330,7 +2346,7 @@
           <a:p>
             <a:fld id="{78C97017-6FC3-485B-9764-EAC9E56C1D49}" type="datetimeFigureOut">
               <a:rPr lang="en-US" smtClean="0"/>
-              <a:t>10/16/2016</a:t>
+              <a:t>4/8/17</a:t>
             </a:fld>
             <a:endParaRPr lang="en-US"/>
           </a:p>
@@ -2607,7 +2623,7 @@
           <a:p>
             <a:fld id="{78C97017-6FC3-485B-9764-EAC9E56C1D49}" type="datetimeFigureOut">
               <a:rPr lang="en-US" smtClean="0"/>
-              <a:t>10/16/2016</a:t>
+              <a:t>4/8/17</a:t>
             </a:fld>
             <a:endParaRPr lang="en-US"/>
           </a:p>
@@ -2860,7 +2876,7 @@
           <a:p>
             <a:fld id="{78C97017-6FC3-485B-9764-EAC9E56C1D49}" type="datetimeFigureOut">
               <a:rPr lang="en-US" smtClean="0"/>
-              <a:t>10/16/2016</a:t>
+              <a:t>4/8/17</a:t>
             </a:fld>
             <a:endParaRPr lang="en-US"/>
           </a:p>
@@ -3073,7 +3089,7 @@
           <a:p>
             <a:fld id="{78C97017-6FC3-485B-9764-EAC9E56C1D49}" type="datetimeFigureOut">
               <a:rPr lang="en-US" smtClean="0"/>
-              <a:t>10/16/2016</a:t>
+              <a:t>4/8/17</a:t>
             </a:fld>
             <a:endParaRPr lang="en-US"/>
           </a:p>
@@ -3522,7 +3538,7 @@
         <p:spPr>
           <a:xfrm>
             <a:off x="2877180" y="3158440"/>
-            <a:ext cx="1323049" cy="346760"/>
+            <a:ext cx="1371527" cy="346760"/>
           </a:xfrm>
           <a:prstGeom prst="rect">
             <a:avLst/>
@@ -3566,22 +3582,34 @@
                   <a:schemeClr val="bg1"/>
                 </a:solidFill>
               </a:rPr>
-              <a:t>&lt;&lt;interface&gt;&gt;</a:t>
-            </a:r>
-            <a:br>
+              <a:t>&lt;&lt;interface</a:t>
+            </a:r>
+            <a:r>
               <a:rPr lang="en-US" sz="1050" dirty="0" smtClean="0">
                 <a:solidFill>
                   <a:schemeClr val="bg1"/>
                 </a:solidFill>
               </a:rPr>
-            </a:br>
+              <a:t>&gt;&gt;</a:t>
+            </a:r>
+          </a:p>
+          <a:p>
+            <a:pPr algn="ctr"/>
             <a:r>
               <a:rPr lang="en-US" sz="1050" dirty="0" err="1" smtClean="0">
                 <a:solidFill>
                   <a:schemeClr val="bg1"/>
                 </a:solidFill>
               </a:rPr>
-              <a:t>AddressBookStorage</a:t>
+              <a:t>TaskManager</a:t>
+            </a:r>
+            <a:r>
+              <a:rPr lang="en-US" sz="1050" dirty="0" err="1" smtClean="0">
+                <a:solidFill>
+                  <a:schemeClr val="bg1"/>
+                </a:solidFill>
+              </a:rPr>
+              <a:t>Storage</a:t>
             </a:r>
             <a:endParaRPr lang="en-SG" sz="1050" dirty="0">
               <a:solidFill>
@@ -3974,8 +4002,8 @@
         </p:nvCxnSpPr>
         <p:spPr>
           <a:xfrm flipV="1">
-            <a:off x="4398041" y="3331820"/>
-            <a:ext cx="223324" cy="1"/>
+            <a:off x="4437718" y="3331820"/>
+            <a:ext cx="183647" cy="6512"/>
           </a:xfrm>
           <a:prstGeom prst="bentConnector3">
             <a:avLst>
@@ -4017,11 +4045,13 @@
         </p:nvSpPr>
         <p:spPr>
           <a:xfrm rot="5400000" flipV="1">
-            <a:off x="4175027" y="3244059"/>
+            <a:off x="4214704" y="3250575"/>
             <a:ext cx="270504" cy="175523"/>
           </a:xfrm>
           <a:prstGeom prst="triangle">
-            <a:avLst/>
+            <a:avLst>
+              <a:gd name="adj" fmla="val 49998"/>
+            </a:avLst>
           </a:prstGeom>
           <a:solidFill>
             <a:schemeClr val="accent6">
@@ -4154,7 +4184,7 @@
                   </a:schemeClr>
                 </a:solidFill>
               </a:rPr>
-              <a:t>XmlAddressBook</a:t>
+              <a:t>XmlTaskManager</a:t>
             </a:r>
             <a:r>
               <a:rPr lang="en-US" sz="1050" b="1" dirty="0" smtClean="0">
@@ -4627,7 +4657,7 @@
                   </a:schemeClr>
                 </a:solidFill>
               </a:rPr>
-              <a:t>AddressBook</a:t>
+              <a:t>TaskManager</a:t>
             </a:r>
             <a:endParaRPr lang="en-SG" sz="1050" b="1" dirty="0">
               <a:solidFill>
@@ -4780,7 +4810,7 @@
                   </a:schemeClr>
                 </a:solidFill>
               </a:rPr>
-              <a:t>XmlAdaptedPerson</a:t>
+              <a:t>XmlAdaptedTask</a:t>
             </a:r>
             <a:endParaRPr lang="en-SG" sz="1050" b="1" dirty="0">
               <a:solidFill>
@@ -4833,6 +4863,32 @@
           </a:fontRef>
         </p:style>
       </p:cxnSp>
+      <p:sp>
+        <p:nvSpPr>
+          <p:cNvPr id="3" name="TextBox 2"/>
+          <p:cNvSpPr txBox="1"/>
+          <p:nvPr/>
+        </p:nvSpPr>
+        <p:spPr>
+          <a:xfrm>
+            <a:off x="6206400" y="4939200"/>
+            <a:ext cx="184731" cy="369332"/>
+          </a:xfrm>
+          <a:prstGeom prst="rect">
+            <a:avLst/>
+          </a:prstGeom>
+          <a:noFill/>
+        </p:spPr>
+        <p:txBody>
+          <a:bodyPr wrap="none" rtlCol="0">
+            <a:spAutoFit/>
+          </a:bodyPr>
+          <a:lstStyle/>
+          <a:p>
+            <a:endParaRPr lang="en-US" dirty="0"/>
+          </a:p>
+        </p:txBody>
+      </p:sp>
     </p:spTree>
     <p:extLst>
       <p:ext uri="{BB962C8B-B14F-4D97-AF65-F5344CB8AC3E}">
